--- a/submission_docs/Poster.pptx
+++ b/submission_docs/Poster.pptx
@@ -156,6 +156,14 @@
 </p:presentation>
 </file>
 
+<file path=ppt/revisionInfo.xml><?xml version="1.0" encoding="utf-8"?>
+<p1510:revInfo xmlns:a="http://schemas.openxmlformats.org/drawingml/2006/main" xmlns:r="http://schemas.openxmlformats.org/officeDocument/2006/relationships" xmlns:p1510="http://schemas.microsoft.com/office/powerpoint/2015/10/main">
+  <p1510:revLst>
+    <p1510:client id="{28662C11-EE1E-4B24-B3DD-BC98D7B5D11F}" v="1374" dt="2024-05-19T06:58:44.367"/>
+  </p1510:revLst>
+</p1510:revInfo>
+</file>
+
 <file path=ppt/notesMasters/notesMaster1.xml><?xml version="1.0" encoding="utf-8"?>
 <p:notesMaster xmlns:a="http://schemas.openxmlformats.org/drawingml/2006/main" xmlns:r="http://schemas.openxmlformats.org/officeDocument/2006/relationships" xmlns:p="http://schemas.openxmlformats.org/presentationml/2006/main">
   <p:cSld>
@@ -253,7 +261,7 @@
               <a:pPr>
                 <a:defRPr/>
               </a:pPr>
-              <a:t>5/14/2024</a:t>
+              <a:t>5/19/2024</a:t>
             </a:fld>
             <a:endParaRPr lang="en-US"/>
           </a:p>
@@ -763,7 +771,7 @@
               <a:pPr>
                 <a:defRPr/>
               </a:pPr>
-              <a:t>5/14/2024</a:t>
+              <a:t>5/19/2024</a:t>
             </a:fld>
             <a:endParaRPr lang="en-US"/>
           </a:p>
@@ -1569,14 +1577,14 @@
           </a:ln>
           <a:extLst>
             <a:ext uri="{909E8E84-426E-40dd-AFC4-6F175D3DCCD1}">
-              <a14:hiddenFill xmlns:a14="http://schemas.microsoft.com/office/drawing/2010/main" xmlns="">
+              <a14:hiddenFill xmlns="" xmlns:a14="http://schemas.microsoft.com/office/drawing/2010/main">
                 <a:solidFill>
                   <a:srgbClr val="FFFFFF"/>
                 </a:solidFill>
               </a14:hiddenFill>
             </a:ext>
             <a:ext uri="{91240B29-F687-4f45-9708-019B960494DF}">
-              <a14:hiddenLine xmlns:a14="http://schemas.microsoft.com/office/drawing/2010/main" xmlns="" w="9525">
+              <a14:hiddenLine xmlns="" xmlns:a14="http://schemas.microsoft.com/office/drawing/2010/main" w="9525">
                 <a:solidFill>
                   <a:srgbClr val="000000"/>
                 </a:solidFill>
@@ -1628,14 +1636,14 @@
           </a:ln>
           <a:extLst>
             <a:ext uri="{909E8E84-426E-40dd-AFC4-6F175D3DCCD1}">
-              <a14:hiddenFill xmlns:a14="http://schemas.microsoft.com/office/drawing/2010/main" xmlns="">
+              <a14:hiddenFill xmlns="" xmlns:a14="http://schemas.microsoft.com/office/drawing/2010/main">
                 <a:solidFill>
                   <a:srgbClr val="FFFFFF"/>
                 </a:solidFill>
               </a14:hiddenFill>
             </a:ext>
             <a:ext uri="{91240B29-F687-4f45-9708-019B960494DF}">
-              <a14:hiddenLine xmlns:a14="http://schemas.microsoft.com/office/drawing/2010/main" xmlns="" w="9525">
+              <a14:hiddenLine xmlns="" xmlns:a14="http://schemas.microsoft.com/office/drawing/2010/main" w="9525">
                 <a:solidFill>
                   <a:srgbClr val="000000"/>
                 </a:solidFill>
@@ -1735,7 +1743,7 @@
               <a:pPr>
                 <a:defRPr/>
               </a:pPr>
-              <a:t>5/14/2024</a:t>
+              <a:t>5/19/2024</a:t>
             </a:fld>
             <a:endParaRPr lang="en-US"/>
           </a:p>
@@ -2274,8 +2282,8 @@
         </p:nvSpPr>
         <p:spPr>
           <a:xfrm>
-            <a:off x="112712" y="1270000"/>
-            <a:ext cx="4695261" cy="7656513"/>
+            <a:off x="231130" y="1270001"/>
+            <a:ext cx="4695261" cy="533652"/>
           </a:xfrm>
           <a:noFill/>
           <a:ln>
@@ -2359,99 +2367,6 @@
               <a:latin typeface="Bodoni MT" charset="0"/>
               <a:cs typeface="Helvetica Neue" charset="0"/>
             </a:endParaRPr>
-          </a:p>
-          <a:p>
-            <a:r>
-              <a:rPr lang="en-US" b="1" dirty="0">
-                <a:latin typeface="Helvetica Neue" charset="0"/>
-                <a:cs typeface="Helvetica Neue" charset="0"/>
-              </a:rPr>
-              <a:t>Subheadings – Helvetica Neue Bold 14pt</a:t>
-            </a:r>
-          </a:p>
-          <a:p>
-            <a:r>
-              <a:rPr lang="en-US" dirty="0">
-                <a:latin typeface="Helvetica Neue" charset="0"/>
-                <a:cs typeface="Helvetica Neue" charset="0"/>
-              </a:rPr>
-              <a:t>Body Text – Helvetica Neue 14pt (min 12pt)</a:t>
-            </a:r>
-          </a:p>
-          <a:p>
-            <a:endParaRPr lang="en-US" dirty="0">
-              <a:latin typeface="Helvetica Neue" charset="0"/>
-              <a:cs typeface="Helvetica Neue" charset="0"/>
-            </a:endParaRPr>
-          </a:p>
-          <a:p>
-            <a:r>
-              <a:rPr lang="en-US" b="1" dirty="0">
-                <a:latin typeface="Helvetica Neue" charset="0"/>
-                <a:cs typeface="Helvetica Neue" charset="0"/>
-              </a:rPr>
-              <a:t>Don’t have the above fonts installed?</a:t>
-            </a:r>
-          </a:p>
-          <a:p>
-            <a:r>
-              <a:rPr lang="en-US" dirty="0">
-                <a:latin typeface="Helvetica Neue" charset="0"/>
-                <a:cs typeface="Helvetica Neue" charset="0"/>
-              </a:rPr>
-              <a:t>Substitutes for Bodoni MT:</a:t>
-            </a:r>
-          </a:p>
-          <a:p>
-            <a:r>
-              <a:rPr lang="en-US" dirty="0">
-                <a:latin typeface="Didot" charset="0"/>
-                <a:cs typeface="Helvetica Neue" charset="0"/>
-              </a:rPr>
-              <a:t>Didot on Apple</a:t>
-            </a:r>
-          </a:p>
-          <a:p>
-            <a:r>
-              <a:rPr lang="en-US" dirty="0">
-                <a:latin typeface="Times New Roman" charset="0"/>
-                <a:cs typeface="Times New Roman" charset="0"/>
-              </a:rPr>
-              <a:t>or Times New Roman (Apple &amp; Windows)</a:t>
-            </a:r>
-          </a:p>
-          <a:p>
-            <a:endParaRPr lang="en-US" dirty="0">
-              <a:latin typeface="Helvetica Neue" charset="0"/>
-              <a:cs typeface="Helvetica Neue" charset="0"/>
-            </a:endParaRPr>
-          </a:p>
-          <a:p>
-            <a:r>
-              <a:rPr lang="en-US" dirty="0">
-                <a:latin typeface="Helvetica Neue" charset="0"/>
-                <a:cs typeface="Helvetica Neue" charset="0"/>
-              </a:rPr>
-              <a:t>Substitutes for Helvetica Neue:</a:t>
-            </a:r>
-          </a:p>
-          <a:p>
-            <a:r>
-              <a:rPr lang="en-US" dirty="0">
-                <a:latin typeface="Helvetica" charset="0"/>
-                <a:cs typeface="Helvetica" charset="0"/>
-              </a:rPr>
-              <a:t>Helvetica (Apple)</a:t>
-            </a:r>
-          </a:p>
-          <a:p>
-            <a:r>
-              <a:rPr lang="en-US" dirty="0">
-                <a:latin typeface="Arial" charset="0"/>
-                <a:cs typeface="Arial" charset="0"/>
-              </a:rPr>
-              <a:t>or Arial (Apple &amp; Windows)</a:t>
-            </a:r>
           </a:p>
           <a:p>
             <a:endParaRPr lang="en-US" dirty="0">
@@ -2539,8 +2454,8 @@
         </p:nvSpPr>
         <p:spPr>
           <a:xfrm>
-            <a:off x="11027421" y="1114425"/>
-            <a:ext cx="3500437" cy="7656513"/>
+            <a:off x="8563465" y="6962731"/>
+            <a:ext cx="5751458" cy="3272015"/>
           </a:xfrm>
           <a:ln/>
         </p:spPr>
@@ -2550,32 +2465,414 @@
           <a:p>
             <a:r>
               <a:rPr lang="en-US" sz="1800" dirty="0">
-                <a:latin typeface="Bodoni MT" charset="0"/>
+                <a:ea typeface="Geneva"/>
               </a:rPr>
-              <a:t>RESULTS</a:t>
-            </a:r>
-          </a:p>
-          <a:p>
-            <a:endParaRPr lang="en-US" sz="1800" dirty="0">
-              <a:latin typeface="Bodoni MT" charset="0"/>
+              <a:t>CONCLUSION:</a:t>
+            </a:r>
+            <a:endParaRPr lang="en-US" dirty="0"/>
+          </a:p>
+          <a:p>
+            <a:r>
+              <a:rPr lang="en-US" dirty="0">
+                <a:ea typeface="Geneva"/>
+              </a:rPr>
+              <a:t>Through qualitative observation we found that all sensors performed at and above the desired accuracy.  Special mention is given to the ML gesture recognition as this was proven to be much more accurate that what was expected.</a:t>
+            </a:r>
+            <a:endParaRPr lang="en-US" dirty="0">
+              <a:latin typeface="Helvetica Neue" charset="0"/>
             </a:endParaRPr>
           </a:p>
+          <a:p>
+            <a:r>
+              <a:rPr lang="en-US" dirty="0">
+                <a:ea typeface="Geneva"/>
+              </a:rPr>
+              <a:t>All devices had a good latency however the ultrasonic was slower than expected as we had to reduce the publish speed to improve accuracy.</a:t>
+            </a:r>
+          </a:p>
+          <a:p>
+            <a:r>
+              <a:rPr lang="en-US" dirty="0">
+                <a:ea typeface="Geneva"/>
+              </a:rPr>
+              <a:t>With only a minor delay between the real-time action to the Minecraft character action, the display and usability goals were met.</a:t>
+            </a:r>
+          </a:p>
+          <a:p>
+            <a:r>
+              <a:rPr lang="en-US" dirty="0">
+                <a:ea typeface="Geneva"/>
+              </a:rPr>
+              <a:t>The user has a range of actions they can perform in the game using the sensors. The available actions include: movement in the x and y direction, panning the view in the x and y direction, jump, break block, place block, change current inventory slot (1-5).</a:t>
+            </a:r>
+          </a:p>
+          <a:p>
+            <a:endParaRPr lang="en-US" sz="1800" dirty="0"/>
+          </a:p>
+        </p:txBody>
+      </p:sp>
+      <p:sp>
+        <p:nvSpPr>
+          <p:cNvPr id="2" name="Content Placeholder 7">
+            <a:extLst>
+              <a:ext uri="{FF2B5EF4-FFF2-40B4-BE49-F238E27FC236}">
+                <a16:creationId xmlns:a16="http://schemas.microsoft.com/office/drawing/2014/main" id="{10DA65AA-34FD-30F4-8677-D63E5785FAC2}"/>
+              </a:ext>
+            </a:extLst>
+          </p:cNvPr>
+          <p:cNvSpPr txBox="1">
+            <a:spLocks/>
+          </p:cNvSpPr>
+          <p:nvPr/>
+        </p:nvSpPr>
+        <p:spPr bwMode="auto">
+          <a:xfrm>
+            <a:off x="132887" y="6336909"/>
+            <a:ext cx="8442863" cy="3744451"/>
+          </a:xfrm>
+          <a:prstGeom prst="rect">
+            <a:avLst/>
+          </a:prstGeom>
+          <a:noFill/>
+          <a:ln w="9525">
+            <a:noFill/>
+            <a:miter lim="800000"/>
+            <a:headEnd/>
+            <a:tailEnd/>
+          </a:ln>
+          <a:extLst>
+            <a:ext uri="{909E8E84-426E-40dd-AFC4-6F175D3DCCD1}">
+              <a14:hiddenFill xmlns="" xmlns:a14="http://schemas.microsoft.com/office/drawing/2010/main">
+                <a:solidFill>
+                  <a:srgbClr val="FFFFFF"/>
+                </a:solidFill>
+              </a14:hiddenFill>
+            </a:ext>
+            <a:ext uri="{91240B29-F687-4f45-9708-019B960494DF}">
+              <a14:hiddenLine xmlns="" xmlns:a14="http://schemas.microsoft.com/office/drawing/2010/main" w="9525">
+                <a:solidFill>
+                  <a:srgbClr val="000000"/>
+                </a:solidFill>
+                <a:miter lim="800000"/>
+                <a:headEnd/>
+                <a:tailEnd/>
+              </a14:hiddenLine>
+            </a:ext>
+          </a:extLst>
+        </p:spPr>
+        <p:txBody>
+          <a:bodyPr vert="horz" wrap="square" lIns="143378" tIns="71689" rIns="143378" bIns="71689" numCol="1" anchor="t" anchorCtr="0" compatLnSpc="1">
+            <a:prstTxWarp prst="textNoShape">
+              <a:avLst/>
+            </a:prstTxWarp>
+          </a:bodyPr>
+          <a:lstStyle>
+            <a:lvl1pPr marL="0" indent="0" algn="l" defTabSz="715963" rtl="0" eaLnBrk="0" fontAlgn="base" hangingPunct="0">
+              <a:spcBef>
+                <a:spcPct val="20000"/>
+              </a:spcBef>
+              <a:spcAft>
+                <a:spcPct val="0"/>
+              </a:spcAft>
+              <a:buFont typeface="Arial" charset="0"/>
+              <a:buNone/>
+              <a:defRPr sz="1400" kern="1200">
+                <a:solidFill>
+                  <a:schemeClr val="tx1"/>
+                </a:solidFill>
+                <a:latin typeface="Helvetica Neue"/>
+                <a:ea typeface="Geneva" charset="-128"/>
+                <a:cs typeface="Helvetica Neue"/>
+              </a:defRPr>
+            </a:lvl1pPr>
+            <a:lvl2pPr marL="1163638" indent="-447675" algn="l" defTabSz="715963" rtl="0" eaLnBrk="0" fontAlgn="base" hangingPunct="0">
+              <a:spcBef>
+                <a:spcPct val="20000"/>
+              </a:spcBef>
+              <a:spcAft>
+                <a:spcPct val="0"/>
+              </a:spcAft>
+              <a:buFont typeface="Arial" charset="0"/>
+              <a:buNone/>
+              <a:defRPr sz="1800" kern="1200">
+                <a:solidFill>
+                  <a:schemeClr val="tx1"/>
+                </a:solidFill>
+                <a:latin typeface="Helvetica Neue"/>
+                <a:ea typeface="Geneva" charset="-128"/>
+                <a:cs typeface="Helvetica Neue"/>
+              </a:defRPr>
+            </a:lvl2pPr>
+            <a:lvl3pPr marL="1790700" indent="-357188" algn="l" defTabSz="715963" rtl="0" eaLnBrk="0" fontAlgn="base" hangingPunct="0">
+              <a:spcBef>
+                <a:spcPct val="20000"/>
+              </a:spcBef>
+              <a:spcAft>
+                <a:spcPct val="0"/>
+              </a:spcAft>
+              <a:buFont typeface="Arial" charset="0"/>
+              <a:buNone/>
+              <a:defRPr sz="1800" kern="1200">
+                <a:solidFill>
+                  <a:schemeClr val="tx1"/>
+                </a:solidFill>
+                <a:latin typeface="Helvetica Neue"/>
+                <a:ea typeface="Geneva" charset="-128"/>
+                <a:cs typeface="Helvetica Neue"/>
+              </a:defRPr>
+            </a:lvl3pPr>
+            <a:lvl4pPr marL="2508250" indent="-357188" algn="l" defTabSz="715963" rtl="0" eaLnBrk="0" fontAlgn="base" hangingPunct="0">
+              <a:spcBef>
+                <a:spcPct val="20000"/>
+              </a:spcBef>
+              <a:spcAft>
+                <a:spcPct val="0"/>
+              </a:spcAft>
+              <a:buFont typeface="Arial" charset="0"/>
+              <a:buNone/>
+              <a:defRPr sz="1800" kern="1200">
+                <a:solidFill>
+                  <a:schemeClr val="tx1"/>
+                </a:solidFill>
+                <a:latin typeface="Helvetica Neue"/>
+                <a:ea typeface="Geneva" charset="-128"/>
+                <a:cs typeface="Helvetica Neue"/>
+              </a:defRPr>
+            </a:lvl4pPr>
+            <a:lvl5pPr marL="3225800" indent="-357188" algn="l" defTabSz="715963" rtl="0" eaLnBrk="0" fontAlgn="base" hangingPunct="0">
+              <a:spcBef>
+                <a:spcPct val="20000"/>
+              </a:spcBef>
+              <a:spcAft>
+                <a:spcPct val="0"/>
+              </a:spcAft>
+              <a:buFont typeface="Arial" charset="0"/>
+              <a:buNone/>
+              <a:defRPr sz="1800" kern="1200">
+                <a:solidFill>
+                  <a:schemeClr val="tx1"/>
+                </a:solidFill>
+                <a:latin typeface="Helvetica Neue"/>
+                <a:ea typeface="Geneva" charset="-128"/>
+                <a:cs typeface="Helvetica Neue"/>
+              </a:defRPr>
+            </a:lvl5pPr>
+            <a:lvl6pPr marL="3942893" indent="-358445" algn="l" defTabSz="716890" rtl="0" eaLnBrk="1" latinLnBrk="0" hangingPunct="1">
+              <a:spcBef>
+                <a:spcPct val="20000"/>
+              </a:spcBef>
+              <a:buFont typeface="Arial"/>
+              <a:buChar char="•"/>
+              <a:defRPr sz="3100" kern="1200">
+                <a:solidFill>
+                  <a:schemeClr val="tx1"/>
+                </a:solidFill>
+                <a:latin typeface="+mn-lt"/>
+                <a:ea typeface="+mn-ea"/>
+                <a:cs typeface="+mn-cs"/>
+              </a:defRPr>
+            </a:lvl6pPr>
+            <a:lvl7pPr marL="4659782" indent="-358445" algn="l" defTabSz="716890" rtl="0" eaLnBrk="1" latinLnBrk="0" hangingPunct="1">
+              <a:spcBef>
+                <a:spcPct val="20000"/>
+              </a:spcBef>
+              <a:buFont typeface="Arial"/>
+              <a:buChar char="•"/>
+              <a:defRPr sz="3100" kern="1200">
+                <a:solidFill>
+                  <a:schemeClr val="tx1"/>
+                </a:solidFill>
+                <a:latin typeface="+mn-lt"/>
+                <a:ea typeface="+mn-ea"/>
+                <a:cs typeface="+mn-cs"/>
+              </a:defRPr>
+            </a:lvl7pPr>
+            <a:lvl8pPr marL="5376672" indent="-358445" algn="l" defTabSz="716890" rtl="0" eaLnBrk="1" latinLnBrk="0" hangingPunct="1">
+              <a:spcBef>
+                <a:spcPct val="20000"/>
+              </a:spcBef>
+              <a:buFont typeface="Arial"/>
+              <a:buChar char="•"/>
+              <a:defRPr sz="3100" kern="1200">
+                <a:solidFill>
+                  <a:schemeClr val="tx1"/>
+                </a:solidFill>
+                <a:latin typeface="+mn-lt"/>
+                <a:ea typeface="+mn-ea"/>
+                <a:cs typeface="+mn-cs"/>
+              </a:defRPr>
+            </a:lvl8pPr>
+            <a:lvl9pPr marL="6093562" indent="-358445" algn="l" defTabSz="716890" rtl="0" eaLnBrk="1" latinLnBrk="0" hangingPunct="1">
+              <a:spcBef>
+                <a:spcPct val="20000"/>
+              </a:spcBef>
+              <a:buFont typeface="Arial"/>
+              <a:buChar char="•"/>
+              <a:defRPr sz="3100" kern="1200">
+                <a:solidFill>
+                  <a:schemeClr val="tx1"/>
+                </a:solidFill>
+                <a:latin typeface="+mn-lt"/>
+                <a:ea typeface="+mn-ea"/>
+                <a:cs typeface="+mn-cs"/>
+              </a:defRPr>
+            </a:lvl9pPr>
+          </a:lstStyle>
           <a:p>
             <a:r>
               <a:rPr lang="en-US" sz="1800" dirty="0">
                 <a:latin typeface="Bodoni MT" charset="0"/>
+                <a:cs typeface="Helvetica Neue" charset="0"/>
               </a:rPr>
-              <a:t>CONCULSION</a:t>
-            </a:r>
+              <a:t>KPIs:</a:t>
+            </a:r>
+          </a:p>
+          <a:p>
+            <a:pPr marL="342900" indent="-342900">
+              <a:buFont typeface="+mj-lt"/>
+              <a:buAutoNum type="arabicPeriod"/>
+            </a:pPr>
+            <a:r>
+              <a:rPr lang="en-US" b="1" dirty="0">
+                <a:latin typeface="Helvetica Neue" charset="0"/>
+              </a:rPr>
+              <a:t>Accuracy</a:t>
+            </a:r>
+            <a:r>
+              <a:rPr lang="en-US" dirty="0">
+                <a:latin typeface="Helvetica Neue" charset="0"/>
+              </a:rPr>
+              <a:t>: gesture and movement detection. Minimum 60% ML gesture accuracy, minimum 80% accuracy with ultrasonic sensors, 95% accuracy with Thingy:52 pushbutton.</a:t>
+            </a:r>
+          </a:p>
+          <a:p>
+            <a:pPr marL="342900" indent="-342900">
+              <a:buFont typeface="+mj-lt"/>
+              <a:buAutoNum type="arabicPeriod"/>
+            </a:pPr>
+            <a:r>
+              <a:rPr lang="en-US" b="1" dirty="0">
+                <a:ea typeface="Geneva"/>
+              </a:rPr>
+              <a:t>Latency (sensors): </a:t>
+            </a:r>
+            <a:r>
+              <a:rPr lang="en-US" dirty="0">
+                <a:ea typeface="Geneva"/>
+              </a:rPr>
+              <a:t>Time taken for sensors. Ultrasonic sensors should operate at 10 samples per second, gesture recognition should run at 5 frames per second. </a:t>
+            </a:r>
+            <a:endParaRPr lang="en-US" dirty="0">
+              <a:latin typeface="Helvetica Neue" charset="0"/>
+            </a:endParaRPr>
+          </a:p>
+          <a:p>
+            <a:pPr marL="342900" indent="-342900">
+              <a:buFont typeface="+mj-lt"/>
+              <a:buAutoNum type="arabicPeriod"/>
+            </a:pPr>
+            <a:r>
+              <a:rPr lang="en-US" b="1" dirty="0">
+                <a:latin typeface="Helvetica Neue" charset="0"/>
+              </a:rPr>
+              <a:t>Latency (GUI &amp; Communications): </a:t>
+            </a:r>
+            <a:r>
+              <a:rPr lang="en-US" dirty="0">
+                <a:latin typeface="Helvetica Neue" charset="0"/>
+              </a:rPr>
+              <a:t>Time taken for the HID packets and information to appear on the GUI and Minecraft interface. Maximum 2 second latency should be exhibited during MQTT and Bluetooth packets delivery from sensor to base node to GUI.</a:t>
+            </a:r>
+          </a:p>
+          <a:p>
+            <a:pPr marL="342900" indent="-342900">
+              <a:buFont typeface="+mj-lt"/>
+              <a:buAutoNum type="arabicPeriod"/>
+            </a:pPr>
+            <a:r>
+              <a:rPr lang="en-US" b="1" dirty="0">
+                <a:latin typeface="Helvetica Neue" charset="0"/>
+              </a:rPr>
+              <a:t>Reliability:</a:t>
+            </a:r>
+            <a:r>
+              <a:rPr lang="en-US" dirty="0">
+                <a:latin typeface="Helvetica Neue" charset="0"/>
+              </a:rPr>
+              <a:t> The ability of the system to measure gesture and movement for environmental robustness, particularly in low-light conditions, high-activity areas, and across a variety of different subjects. A minimum 20% variation between users should be accepted, and 30% variation for different environmental conditions.</a:t>
+            </a:r>
+          </a:p>
+          <a:p>
+            <a:pPr marL="342900" indent="-342900">
+              <a:buFont typeface="+mj-lt"/>
+              <a:buAutoNum type="arabicPeriod"/>
+            </a:pPr>
+            <a:r>
+              <a:rPr lang="en-US" b="1" dirty="0">
+                <a:latin typeface="Helvetica Neue" charset="0"/>
+              </a:rPr>
+              <a:t>Display: </a:t>
+            </a:r>
+            <a:r>
+              <a:rPr lang="en-US" dirty="0">
+                <a:latin typeface="Helvetica Neue" charset="0"/>
+              </a:rPr>
+              <a:t>Measures the timely update rate of the GUI, and success of the Minecraft interface to detect all HID packets sent.</a:t>
+            </a:r>
+          </a:p>
+          <a:p>
+            <a:pPr marL="342900" indent="-342900">
+              <a:buFont typeface="+mj-lt"/>
+              <a:buAutoNum type="arabicPeriod"/>
+            </a:pPr>
+            <a:r>
+              <a:rPr lang="en-US" b="1" dirty="0">
+                <a:latin typeface="Helvetica Neue" charset="0"/>
+              </a:rPr>
+              <a:t>User Experience: </a:t>
+            </a:r>
+            <a:r>
+              <a:rPr lang="en-US" dirty="0">
+                <a:latin typeface="Helvetica Neue" charset="0"/>
+              </a:rPr>
+              <a:t>Measures the user's satisfaction with the game and its interface. Measured using a collection of data from the review portion of the GUI.</a:t>
+            </a:r>
+          </a:p>
+          <a:p>
+            <a:pPr marL="342900" indent="-342900">
+              <a:buFont typeface="+mj-lt"/>
+              <a:buAutoNum type="arabicPeriod"/>
+            </a:pPr>
+            <a:endParaRPr lang="en-US" dirty="0">
+              <a:latin typeface="Helvetica Neue" charset="0"/>
+            </a:endParaRPr>
+          </a:p>
+          <a:p>
+            <a:pPr marL="342900" indent="-342900">
+              <a:buFont typeface="+mj-lt"/>
+              <a:buAutoNum type="arabicPeriod"/>
+            </a:pPr>
+            <a:endParaRPr lang="en-US" dirty="0">
+              <a:latin typeface="Helvetica Neue" charset="0"/>
+            </a:endParaRPr>
+          </a:p>
+          <a:p>
+            <a:pPr marL="342900" indent="-342900">
+              <a:buFont typeface="+mj-lt"/>
+              <a:buAutoNum type="arabicPeriod"/>
+            </a:pPr>
+            <a:endParaRPr lang="en-US" dirty="0">
+              <a:latin typeface="Helvetica Neue" charset="0"/>
+            </a:endParaRPr>
           </a:p>
         </p:txBody>
       </p:sp>
       <p:pic>
         <p:nvPicPr>
-          <p:cNvPr id="1026" name="Picture 2" descr="image">
+          <p:cNvPr id="1028" name="Picture 4" descr="image">
             <a:extLst>
               <a:ext uri="{FF2B5EF4-FFF2-40B4-BE49-F238E27FC236}">
-                <a16:creationId xmlns:a16="http://schemas.microsoft.com/office/drawing/2014/main" id="{4785B8C8-8200-3150-56D9-EF8E0943F251}"/>
+                <a16:creationId xmlns:a16="http://schemas.microsoft.com/office/drawing/2014/main" id="{87B25503-8CDB-F903-F6E7-4051DEFB82C1}"/>
               </a:ext>
             </a:extLst>
           </p:cNvPr>
@@ -2599,8 +2896,8 @@
         </p:blipFill>
         <p:spPr bwMode="auto">
           <a:xfrm>
-            <a:off x="217773" y="1740310"/>
-            <a:ext cx="5488279" cy="3274141"/>
+            <a:off x="231130" y="1731443"/>
+            <a:ext cx="7601103" cy="4605466"/>
           </a:xfrm>
           <a:prstGeom prst="rect">
             <a:avLst/>
@@ -2617,12 +2914,42 @@
           </a:extLst>
         </p:spPr>
       </p:pic>
+      <p:pic>
+        <p:nvPicPr>
+          <p:cNvPr id="3" name="Picture 2" descr="No description available.">
+            <a:extLst>
+              <a:ext uri="{FF2B5EF4-FFF2-40B4-BE49-F238E27FC236}">
+                <a16:creationId xmlns:a16="http://schemas.microsoft.com/office/drawing/2014/main" id="{3E28AD50-E906-8A39-FED1-72A6AC5AFF2E}"/>
+              </a:ext>
+            </a:extLst>
+          </p:cNvPr>
+          <p:cNvPicPr>
+            <a:picLocks noChangeAspect="1"/>
+          </p:cNvPicPr>
+          <p:nvPr/>
+        </p:nvPicPr>
+        <p:blipFill>
+          <a:blip r:embed="rId3"/>
+          <a:stretch>
+            <a:fillRect/>
+          </a:stretch>
+        </p:blipFill>
+        <p:spPr>
+          <a:xfrm>
+            <a:off x="11184615" y="1112615"/>
+            <a:ext cx="2503036" cy="3574013"/>
+          </a:xfrm>
+          <a:prstGeom prst="rect">
+            <a:avLst/>
+          </a:prstGeom>
+        </p:spPr>
+      </p:pic>
       <p:sp>
         <p:nvSpPr>
-          <p:cNvPr id="2" name="Content Placeholder 7">
+          <p:cNvPr id="5" name="Content Placeholder 7">
             <a:extLst>
               <a:ext uri="{FF2B5EF4-FFF2-40B4-BE49-F238E27FC236}">
-                <a16:creationId xmlns:a16="http://schemas.microsoft.com/office/drawing/2014/main" id="{10DA65AA-34FD-30F4-8677-D63E5785FAC2}"/>
+                <a16:creationId xmlns:a16="http://schemas.microsoft.com/office/drawing/2014/main" id="{91B6A363-E919-6464-B7A7-B662BD7D9925}"/>
               </a:ext>
             </a:extLst>
           </p:cNvPr>
@@ -2633,8 +2960,8 @@
         </p:nvSpPr>
         <p:spPr bwMode="auto">
           <a:xfrm>
-            <a:off x="5706052" y="1270000"/>
-            <a:ext cx="4462668" cy="7656513"/>
+            <a:off x="8567665" y="4312493"/>
+            <a:ext cx="6122287" cy="3370896"/>
           </a:xfrm>
           <a:prstGeom prst="rect">
             <a:avLst/>
@@ -2827,151 +3154,280 @@
           <a:p>
             <a:r>
               <a:rPr lang="en-US" sz="1800" dirty="0">
-                <a:latin typeface="Bodoni MT" charset="0"/>
-                <a:cs typeface="Helvetica Neue" charset="0"/>
+                <a:ea typeface="Geneva"/>
               </a:rPr>
-              <a:t>KPIs:</a:t>
-            </a:r>
-          </a:p>
-          <a:p>
-            <a:pPr marL="342900" indent="-342900">
-              <a:buFont typeface="+mj-lt"/>
-              <a:buAutoNum type="arabicPeriod"/>
-            </a:pPr>
-            <a:r>
-              <a:rPr lang="en-US" b="1" dirty="0">
-                <a:latin typeface="Helvetica Neue" charset="0"/>
+              <a:t>RESULTS:</a:t>
+            </a:r>
+            <a:endParaRPr lang="en-US" dirty="0"/>
+          </a:p>
+          <a:p>
+            <a:r>
+              <a:rPr lang="en-US" dirty="0">
+                <a:ea typeface="Geneva"/>
               </a:rPr>
-              <a:t>Accuracy</a:t>
-            </a:r>
-            <a:r>
-              <a:rPr lang="en-US" dirty="0">
-                <a:latin typeface="Helvetica Neue" charset="0"/>
-              </a:rPr>
-              <a:t>: gesture and movement detection. Minimum 60% ML gesture accuracy, minimum 80% accuracy with ultrasonic sensors, 95% accuracy with Thingy:52 pushbutton.</a:t>
-            </a:r>
-          </a:p>
-          <a:p>
-            <a:pPr marL="342900" indent="-342900">
-              <a:buFont typeface="+mj-lt"/>
-              <a:buAutoNum type="arabicPeriod"/>
-            </a:pPr>
-            <a:r>
-              <a:rPr lang="en-US" b="1" dirty="0">
-                <a:latin typeface="Helvetica Neue" charset="0"/>
-              </a:rPr>
-              <a:t>Latency (sensors): </a:t>
-            </a:r>
-            <a:r>
-              <a:rPr lang="en-US" dirty="0">
-                <a:latin typeface="Helvetica Neue" charset="0"/>
-              </a:rPr>
-              <a:t>Time taken for sensors. Ultrasonic sensors should operate at 2 samples per second, gesture recognition should run at 5 frames per second. </a:t>
-            </a:r>
-          </a:p>
-          <a:p>
-            <a:pPr marL="342900" indent="-342900">
-              <a:buFont typeface="+mj-lt"/>
-              <a:buAutoNum type="arabicPeriod"/>
-            </a:pPr>
-            <a:r>
-              <a:rPr lang="en-US" b="1" dirty="0">
-                <a:latin typeface="Helvetica Neue" charset="0"/>
-              </a:rPr>
-              <a:t>Latency (GUI &amp; Communications): </a:t>
-            </a:r>
-            <a:r>
-              <a:rPr lang="en-US" dirty="0" err="1">
-                <a:latin typeface="Helvetica Neue" charset="0"/>
-              </a:rPr>
-              <a:t>Ttaken</a:t>
-            </a:r>
-            <a:r>
-              <a:rPr lang="en-US" dirty="0">
-                <a:latin typeface="Helvetica Neue" charset="0"/>
-              </a:rPr>
-              <a:t> for the HID packets and information to appear on the GUI and Minecraft interface. Maximum 2 second latency should be exhibited during MQTT and Bluetooth packets delivery from sensor to base node to GUI.</a:t>
-            </a:r>
-          </a:p>
-          <a:p>
-            <a:pPr marL="342900" indent="-342900">
-              <a:buFont typeface="+mj-lt"/>
-              <a:buAutoNum type="arabicPeriod"/>
-            </a:pPr>
-            <a:r>
-              <a:rPr lang="en-US" b="1" dirty="0">
-                <a:latin typeface="Helvetica Neue" charset="0"/>
-              </a:rPr>
-              <a:t>Reliability:</a:t>
-            </a:r>
-            <a:r>
-              <a:rPr lang="en-US" dirty="0">
-                <a:latin typeface="Helvetica Neue" charset="0"/>
-              </a:rPr>
-              <a:t> The ability of the system to measure gesture and movement for environmental robustness, particularly in low-light conditions, high-activity areas, and across a variety of different subjects. A minimum 20% variation between users should be accepted, and 30% variation for different environmental conditions.</a:t>
-            </a:r>
-          </a:p>
-          <a:p>
-            <a:pPr marL="342900" indent="-342900">
-              <a:buFont typeface="+mj-lt"/>
-              <a:buAutoNum type="arabicPeriod"/>
-            </a:pPr>
-            <a:r>
-              <a:rPr lang="en-US" b="1" dirty="0">
-                <a:latin typeface="Helvetica Neue" charset="0"/>
-              </a:rPr>
-              <a:t>Display: </a:t>
-            </a:r>
-            <a:r>
-              <a:rPr lang="en-US" dirty="0">
-                <a:latin typeface="Helvetica Neue" charset="0"/>
-              </a:rPr>
-              <a:t>Measures the timely update rate of the GUI, and success of the Minecraft interface to detect all HID packets sent.</a:t>
-            </a:r>
-          </a:p>
-          <a:p>
-            <a:pPr marL="342900" indent="-342900">
-              <a:buFont typeface="+mj-lt"/>
-              <a:buAutoNum type="arabicPeriod"/>
-            </a:pPr>
-            <a:r>
-              <a:rPr lang="en-US" b="1" dirty="0">
-                <a:latin typeface="Helvetica Neue" charset="0"/>
-              </a:rPr>
-              <a:t>User Experience: </a:t>
-            </a:r>
-            <a:r>
-              <a:rPr lang="en-US" dirty="0">
-                <a:latin typeface="Helvetica Neue" charset="0"/>
-              </a:rPr>
-              <a:t>Measures the user's satisfaction with the game and its interface. Measured using a collection of data from the review portion of the GUI.</a:t>
-            </a:r>
-          </a:p>
-          <a:p>
-            <a:pPr marL="342900" indent="-342900">
-              <a:buFont typeface="+mj-lt"/>
-              <a:buAutoNum type="arabicPeriod"/>
-            </a:pPr>
+              <a:t>The ML gesture recognition was about 90% accurate. Minimum 80% accuracy was achieved with the ultrasonic sensors. Similarly, minimum 95% accuracy was achieved with the Thingy:52.</a:t>
+            </a:r>
             <a:endParaRPr lang="en-US" dirty="0">
               <a:latin typeface="Helvetica Neue" charset="0"/>
             </a:endParaRPr>
           </a:p>
           <a:p>
-            <a:pPr marL="342900" indent="-342900">
-              <a:buFont typeface="+mj-lt"/>
-              <a:buAutoNum type="arabicPeriod"/>
-            </a:pPr>
-            <a:endParaRPr lang="en-US" dirty="0">
-              <a:latin typeface="Helvetica Neue" charset="0"/>
+            <a:r>
+              <a:rPr lang="en-US" dirty="0">
+                <a:ea typeface="Geneva"/>
+              </a:rPr>
+              <a:t>The webcam gesture recognition operated at 8 frames per second. The latency achieved for the ultrasonic was 5 samples per second. The </a:t>
+            </a:r>
+            <a:r>
+              <a:rPr lang="en-US">
+                <a:ea typeface="Geneva"/>
+              </a:rPr>
+              <a:t>latency for the GUI and communications was fast and at most a 1s delay </a:t>
+            </a:r>
+            <a:r>
+              <a:rPr lang="en-US" dirty="0">
+                <a:ea typeface="Geneva"/>
+              </a:rPr>
+              <a:t>was observed between the sensor and the PC receiving the HID package.</a:t>
+            </a:r>
+          </a:p>
+          <a:p>
+            <a:r>
+              <a:rPr lang="en-US" dirty="0">
+                <a:ea typeface="Geneva"/>
+              </a:rPr>
+              <a:t>The reliability of the program had no correlation with the user. The reliability of the sensors was best in an environment with adequate light and a plain background.</a:t>
+            </a:r>
+          </a:p>
+          <a:p>
+            <a:endParaRPr lang="en-US" sz="1800" dirty="0">
+              <a:ea typeface="Geneva"/>
             </a:endParaRPr>
           </a:p>
-          <a:p>
-            <a:pPr marL="342900" indent="-342900">
-              <a:buFont typeface="+mj-lt"/>
-              <a:buAutoNum type="arabicPeriod"/>
-            </a:pPr>
-            <a:endParaRPr lang="en-US" dirty="0">
-              <a:latin typeface="Helvetica Neue" charset="0"/>
+        </p:txBody>
+      </p:sp>
+      <p:sp>
+        <p:nvSpPr>
+          <p:cNvPr id="6" name="Content Placeholder 7">
+            <a:extLst>
+              <a:ext uri="{FF2B5EF4-FFF2-40B4-BE49-F238E27FC236}">
+                <a16:creationId xmlns:a16="http://schemas.microsoft.com/office/drawing/2014/main" id="{BDAAAD31-68FF-DA14-964F-A7536D0BC24C}"/>
+              </a:ext>
+            </a:extLst>
+          </p:cNvPr>
+          <p:cNvSpPr txBox="1">
+            <a:spLocks/>
+          </p:cNvSpPr>
+          <p:nvPr/>
+        </p:nvSpPr>
+        <p:spPr bwMode="auto">
+          <a:xfrm>
+            <a:off x="10345195" y="4399041"/>
+            <a:ext cx="4181616" cy="280873"/>
+          </a:xfrm>
+          <a:prstGeom prst="rect">
+            <a:avLst/>
+          </a:prstGeom>
+          <a:solidFill>
+            <a:schemeClr val="bg1"/>
+          </a:solidFill>
+          <a:ln w="9525">
+            <a:noFill/>
+            <a:miter lim="800000"/>
+            <a:headEnd/>
+            <a:tailEnd/>
+          </a:ln>
+          <a:extLst>
+            <a:ext uri="{909E8E84-426E-40dd-AFC4-6F175D3DCCD1}">
+              <a14:hiddenFill xmlns="" xmlns:a14="http://schemas.microsoft.com/office/drawing/2010/main">
+                <a:solidFill>
+                  <a:srgbClr val="FFFFFF"/>
+                </a:solidFill>
+              </a14:hiddenFill>
+            </a:ext>
+            <a:ext uri="{91240B29-F687-4f45-9708-019B960494DF}">
+              <a14:hiddenLine xmlns="" xmlns:a14="http://schemas.microsoft.com/office/drawing/2010/main" w="9525">
+                <a:solidFill>
+                  <a:srgbClr val="000000"/>
+                </a:solidFill>
+                <a:miter lim="800000"/>
+                <a:headEnd/>
+                <a:tailEnd/>
+              </a14:hiddenLine>
+            </a:ext>
+          </a:extLst>
+        </p:spPr>
+        <p:txBody>
+          <a:bodyPr vert="horz" wrap="square" lIns="143378" tIns="71689" rIns="143378" bIns="71689" numCol="1" anchor="t" anchorCtr="0" compatLnSpc="1">
+            <a:prstTxWarp prst="textNoShape">
+              <a:avLst/>
+            </a:prstTxWarp>
+          </a:bodyPr>
+          <a:lstStyle>
+            <a:lvl1pPr marL="0" indent="0" algn="l" defTabSz="715963" rtl="0" eaLnBrk="0" fontAlgn="base" hangingPunct="0">
+              <a:spcBef>
+                <a:spcPct val="20000"/>
+              </a:spcBef>
+              <a:spcAft>
+                <a:spcPct val="0"/>
+              </a:spcAft>
+              <a:buFont typeface="Arial" charset="0"/>
+              <a:buNone/>
+              <a:defRPr sz="1400" kern="1200">
+                <a:solidFill>
+                  <a:schemeClr val="tx1"/>
+                </a:solidFill>
+                <a:latin typeface="Helvetica Neue"/>
+                <a:ea typeface="Geneva" charset="-128"/>
+                <a:cs typeface="Helvetica Neue"/>
+              </a:defRPr>
+            </a:lvl1pPr>
+            <a:lvl2pPr marL="1163638" indent="-447675" algn="l" defTabSz="715963" rtl="0" eaLnBrk="0" fontAlgn="base" hangingPunct="0">
+              <a:spcBef>
+                <a:spcPct val="20000"/>
+              </a:spcBef>
+              <a:spcAft>
+                <a:spcPct val="0"/>
+              </a:spcAft>
+              <a:buFont typeface="Arial" charset="0"/>
+              <a:buNone/>
+              <a:defRPr sz="1800" kern="1200">
+                <a:solidFill>
+                  <a:schemeClr val="tx1"/>
+                </a:solidFill>
+                <a:latin typeface="Helvetica Neue"/>
+                <a:ea typeface="Geneva" charset="-128"/>
+                <a:cs typeface="Helvetica Neue"/>
+              </a:defRPr>
+            </a:lvl2pPr>
+            <a:lvl3pPr marL="1790700" indent="-357188" algn="l" defTabSz="715963" rtl="0" eaLnBrk="0" fontAlgn="base" hangingPunct="0">
+              <a:spcBef>
+                <a:spcPct val="20000"/>
+              </a:spcBef>
+              <a:spcAft>
+                <a:spcPct val="0"/>
+              </a:spcAft>
+              <a:buFont typeface="Arial" charset="0"/>
+              <a:buNone/>
+              <a:defRPr sz="1800" kern="1200">
+                <a:solidFill>
+                  <a:schemeClr val="tx1"/>
+                </a:solidFill>
+                <a:latin typeface="Helvetica Neue"/>
+                <a:ea typeface="Geneva" charset="-128"/>
+                <a:cs typeface="Helvetica Neue"/>
+              </a:defRPr>
+            </a:lvl3pPr>
+            <a:lvl4pPr marL="2508250" indent="-357188" algn="l" defTabSz="715963" rtl="0" eaLnBrk="0" fontAlgn="base" hangingPunct="0">
+              <a:spcBef>
+                <a:spcPct val="20000"/>
+              </a:spcBef>
+              <a:spcAft>
+                <a:spcPct val="0"/>
+              </a:spcAft>
+              <a:buFont typeface="Arial" charset="0"/>
+              <a:buNone/>
+              <a:defRPr sz="1800" kern="1200">
+                <a:solidFill>
+                  <a:schemeClr val="tx1"/>
+                </a:solidFill>
+                <a:latin typeface="Helvetica Neue"/>
+                <a:ea typeface="Geneva" charset="-128"/>
+                <a:cs typeface="Helvetica Neue"/>
+              </a:defRPr>
+            </a:lvl4pPr>
+            <a:lvl5pPr marL="3225800" indent="-357188" algn="l" defTabSz="715963" rtl="0" eaLnBrk="0" fontAlgn="base" hangingPunct="0">
+              <a:spcBef>
+                <a:spcPct val="20000"/>
+              </a:spcBef>
+              <a:spcAft>
+                <a:spcPct val="0"/>
+              </a:spcAft>
+              <a:buFont typeface="Arial" charset="0"/>
+              <a:buNone/>
+              <a:defRPr sz="1800" kern="1200">
+                <a:solidFill>
+                  <a:schemeClr val="tx1"/>
+                </a:solidFill>
+                <a:latin typeface="Helvetica Neue"/>
+                <a:ea typeface="Geneva" charset="-128"/>
+                <a:cs typeface="Helvetica Neue"/>
+              </a:defRPr>
+            </a:lvl5pPr>
+            <a:lvl6pPr marL="3942893" indent="-358445" algn="l" defTabSz="716890" rtl="0" eaLnBrk="1" latinLnBrk="0" hangingPunct="1">
+              <a:spcBef>
+                <a:spcPct val="20000"/>
+              </a:spcBef>
+              <a:buFont typeface="Arial"/>
+              <a:buChar char="•"/>
+              <a:defRPr sz="3100" kern="1200">
+                <a:solidFill>
+                  <a:schemeClr val="tx1"/>
+                </a:solidFill>
+                <a:latin typeface="+mn-lt"/>
+                <a:ea typeface="+mn-ea"/>
+                <a:cs typeface="+mn-cs"/>
+              </a:defRPr>
+            </a:lvl6pPr>
+            <a:lvl7pPr marL="4659782" indent="-358445" algn="l" defTabSz="716890" rtl="0" eaLnBrk="1" latinLnBrk="0" hangingPunct="1">
+              <a:spcBef>
+                <a:spcPct val="20000"/>
+              </a:spcBef>
+              <a:buFont typeface="Arial"/>
+              <a:buChar char="•"/>
+              <a:defRPr sz="3100" kern="1200">
+                <a:solidFill>
+                  <a:schemeClr val="tx1"/>
+                </a:solidFill>
+                <a:latin typeface="+mn-lt"/>
+                <a:ea typeface="+mn-ea"/>
+                <a:cs typeface="+mn-cs"/>
+              </a:defRPr>
+            </a:lvl7pPr>
+            <a:lvl8pPr marL="5376672" indent="-358445" algn="l" defTabSz="716890" rtl="0" eaLnBrk="1" latinLnBrk="0" hangingPunct="1">
+              <a:spcBef>
+                <a:spcPct val="20000"/>
+              </a:spcBef>
+              <a:buFont typeface="Arial"/>
+              <a:buChar char="•"/>
+              <a:defRPr sz="3100" kern="1200">
+                <a:solidFill>
+                  <a:schemeClr val="tx1"/>
+                </a:solidFill>
+                <a:latin typeface="+mn-lt"/>
+                <a:ea typeface="+mn-ea"/>
+                <a:cs typeface="+mn-cs"/>
+              </a:defRPr>
+            </a:lvl8pPr>
+            <a:lvl9pPr marL="6093562" indent="-358445" algn="l" defTabSz="716890" rtl="0" eaLnBrk="1" latinLnBrk="0" hangingPunct="1">
+              <a:spcBef>
+                <a:spcPct val="20000"/>
+              </a:spcBef>
+              <a:buFont typeface="Arial"/>
+              <a:buChar char="•"/>
+              <a:defRPr sz="3100" kern="1200">
+                <a:solidFill>
+                  <a:schemeClr val="tx1"/>
+                </a:solidFill>
+                <a:latin typeface="+mn-lt"/>
+                <a:ea typeface="+mn-ea"/>
+                <a:cs typeface="+mn-cs"/>
+              </a:defRPr>
+            </a:lvl9pPr>
+          </a:lstStyle>
+          <a:p>
+            <a:pPr algn="ctr"/>
+            <a:r>
+              <a:rPr lang="en-US" sz="1000" dirty="0">
+                <a:ea typeface="Geneva"/>
+              </a:rPr>
+              <a:t>Minecraft character jumping in response to the hand gesture</a:t>
+            </a:r>
+          </a:p>
+          <a:p>
+            <a:pPr algn="ctr"/>
+            <a:endParaRPr lang="en-US" sz="1000" dirty="0">
+              <a:ea typeface="Geneva"/>
             </a:endParaRPr>
           </a:p>
         </p:txBody>

--- a/submission_docs/Poster.pptx
+++ b/submission_docs/Poster.pptx
@@ -261,7 +261,7 @@
               <a:pPr>
                 <a:defRPr/>
               </a:pPr>
-              <a:t>5/19/2024</a:t>
+              <a:t>5/19/24</a:t>
             </a:fld>
             <a:endParaRPr lang="en-US"/>
           </a:p>
@@ -771,7 +771,7 @@
               <a:pPr>
                 <a:defRPr/>
               </a:pPr>
-              <a:t>5/19/2024</a:t>
+              <a:t>5/19/24</a:t>
             </a:fld>
             <a:endParaRPr lang="en-US"/>
           </a:p>
@@ -1577,14 +1577,14 @@
           </a:ln>
           <a:extLst>
             <a:ext uri="{909E8E84-426E-40dd-AFC4-6F175D3DCCD1}">
-              <a14:hiddenFill xmlns="" xmlns:a14="http://schemas.microsoft.com/office/drawing/2010/main">
+              <a14:hiddenFill xmlns:a14="http://schemas.microsoft.com/office/drawing/2010/main" xmlns="">
                 <a:solidFill>
                   <a:srgbClr val="FFFFFF"/>
                 </a:solidFill>
               </a14:hiddenFill>
             </a:ext>
             <a:ext uri="{91240B29-F687-4f45-9708-019B960494DF}">
-              <a14:hiddenLine xmlns="" xmlns:a14="http://schemas.microsoft.com/office/drawing/2010/main" w="9525">
+              <a14:hiddenLine xmlns:a14="http://schemas.microsoft.com/office/drawing/2010/main" xmlns="" w="9525">
                 <a:solidFill>
                   <a:srgbClr val="000000"/>
                 </a:solidFill>
@@ -1636,14 +1636,14 @@
           </a:ln>
           <a:extLst>
             <a:ext uri="{909E8E84-426E-40dd-AFC4-6F175D3DCCD1}">
-              <a14:hiddenFill xmlns="" xmlns:a14="http://schemas.microsoft.com/office/drawing/2010/main">
+              <a14:hiddenFill xmlns:a14="http://schemas.microsoft.com/office/drawing/2010/main" xmlns="">
                 <a:solidFill>
                   <a:srgbClr val="FFFFFF"/>
                 </a:solidFill>
               </a14:hiddenFill>
             </a:ext>
             <a:ext uri="{91240B29-F687-4f45-9708-019B960494DF}">
-              <a14:hiddenLine xmlns="" xmlns:a14="http://schemas.microsoft.com/office/drawing/2010/main" w="9525">
+              <a14:hiddenLine xmlns:a14="http://schemas.microsoft.com/office/drawing/2010/main" xmlns="" w="9525">
                 <a:solidFill>
                   <a:srgbClr val="000000"/>
                 </a:solidFill>
@@ -1743,7 +1743,7 @@
               <a:pPr>
                 <a:defRPr/>
               </a:pPr>
-              <a:t>5/19/2024</a:t>
+              <a:t>5/19/24</a:t>
             </a:fld>
             <a:endParaRPr lang="en-US"/>
           </a:p>
@@ -2454,8 +2454,8 @@
         </p:nvSpPr>
         <p:spPr>
           <a:xfrm>
-            <a:off x="8563465" y="6962731"/>
-            <a:ext cx="5751458" cy="3272015"/>
+            <a:off x="8563465" y="7061023"/>
+            <a:ext cx="6122286" cy="3272015"/>
           </a:xfrm>
           <a:ln/>
         </p:spPr>
@@ -2476,13 +2476,14 @@
               <a:rPr lang="en-US" dirty="0">
                 <a:ea typeface="Geneva"/>
               </a:rPr>
-              <a:t>Through qualitative observation we found that all sensors performed at and above the desired accuracy.  Special mention is given to the ML gesture recognition as this was proven to be much more accurate that what was expected.</a:t>
-            </a:r>
-            <a:endParaRPr lang="en-US" dirty="0">
-              <a:latin typeface="Helvetica Neue" charset="0"/>
-            </a:endParaRPr>
-          </a:p>
-          <a:p>
+              <a:t>Through qualitative observation we found that all sensors performed at and above the desired accuracy. Special mention is given to the ML gesture recognition as this was proven to be much more accurate that what was expected.</a:t>
+            </a:r>
+            <a:r>
+              <a:rPr lang="en-US" dirty="0">
+                <a:latin typeface="Helvetica Neue" charset="0"/>
+              </a:rPr>
+              <a:t> </a:t>
+            </a:r>
             <a:r>
               <a:rPr lang="en-US" dirty="0">
                 <a:ea typeface="Geneva"/>
@@ -2503,10 +2504,8 @@
               <a:rPr lang="en-US" dirty="0">
                 <a:ea typeface="Geneva"/>
               </a:rPr>
-              <a:t>The user has a range of actions they can perform in the game using the sensors. The available actions include: movement in the x and y direction, panning the view in the x and y direction, jump, break block, place block, change current inventory slot (1-5).</a:t>
-            </a:r>
-          </a:p>
-          <a:p>
+              <a:t>The user has a range of actions they can perform in the game using the sensors. The available actions include: movement in the x and y direction, panning the view in the x and y direction, jump, break block, place block, change current inventory slot (1-5). Overall, the project successfully delivered a human Minecraft controller.</a:t>
+            </a:r>
             <a:endParaRPr lang="en-US" sz="1800" dirty="0"/>
           </a:p>
         </p:txBody>
@@ -2542,14 +2541,14 @@
           </a:ln>
           <a:extLst>
             <a:ext uri="{909E8E84-426E-40dd-AFC4-6F175D3DCCD1}">
-              <a14:hiddenFill xmlns="" xmlns:a14="http://schemas.microsoft.com/office/drawing/2010/main">
+              <a14:hiddenFill xmlns:a14="http://schemas.microsoft.com/office/drawing/2010/main" xmlns="">
                 <a:solidFill>
                   <a:srgbClr val="FFFFFF"/>
                 </a:solidFill>
               </a14:hiddenFill>
             </a:ext>
             <a:ext uri="{91240B29-F687-4f45-9708-019B960494DF}">
-              <a14:hiddenLine xmlns="" xmlns:a14="http://schemas.microsoft.com/office/drawing/2010/main" w="9525">
+              <a14:hiddenLine xmlns:a14="http://schemas.microsoft.com/office/drawing/2010/main" xmlns="" w="9525">
                 <a:solidFill>
                   <a:srgbClr val="000000"/>
                 </a:solidFill>
@@ -2928,16 +2927,15 @@
           </p:cNvPicPr>
           <p:nvPr/>
         </p:nvPicPr>
-        <p:blipFill>
+        <p:blipFill rotWithShape="1">
           <a:blip r:embed="rId3"/>
-          <a:stretch>
-            <a:fillRect/>
-          </a:stretch>
+          <a:srcRect t="5684"/>
+          <a:stretch/>
         </p:blipFill>
         <p:spPr>
           <a:xfrm>
-            <a:off x="11184615" y="1112615"/>
-            <a:ext cx="2503036" cy="3574013"/>
+            <a:off x="11624608" y="1147873"/>
+            <a:ext cx="2503036" cy="3084646"/>
           </a:xfrm>
           <a:prstGeom prst="rect">
             <a:avLst/>
@@ -2960,7 +2958,7 @@
         </p:nvSpPr>
         <p:spPr bwMode="auto">
           <a:xfrm>
-            <a:off x="8567665" y="4312493"/>
+            <a:off x="8563465" y="4232519"/>
             <a:ext cx="6122287" cy="3370896"/>
           </a:xfrm>
           <a:prstGeom prst="rect">
@@ -2975,14 +2973,14 @@
           </a:ln>
           <a:extLst>
             <a:ext uri="{909E8E84-426E-40dd-AFC4-6F175D3DCCD1}">
-              <a14:hiddenFill xmlns:a14="http://schemas.microsoft.com/office/drawing/2010/main" xmlns="">
+              <a14:hiddenFill xmlns="" xmlns:a14="http://schemas.microsoft.com/office/drawing/2010/main">
                 <a:solidFill>
                   <a:srgbClr val="FFFFFF"/>
                 </a:solidFill>
               </a14:hiddenFill>
             </a:ext>
             <a:ext uri="{91240B29-F687-4f45-9708-019B960494DF}">
-              <a14:hiddenLine xmlns:a14="http://schemas.microsoft.com/office/drawing/2010/main" xmlns="" w="9525">
+              <a14:hiddenLine xmlns="" xmlns:a14="http://schemas.microsoft.com/office/drawing/2010/main" w="9525">
                 <a:solidFill>
                   <a:srgbClr val="000000"/>
                 </a:solidFill>
@@ -3176,27 +3174,15 @@
               <a:rPr lang="en-US" dirty="0">
                 <a:ea typeface="Geneva"/>
               </a:rPr>
-              <a:t>The webcam gesture recognition operated at 8 frames per second. The latency achieved for the ultrasonic was 5 samples per second. The </a:t>
-            </a:r>
-            <a:r>
-              <a:rPr lang="en-US">
-                <a:ea typeface="Geneva"/>
-              </a:rPr>
-              <a:t>latency for the GUI and communications was fast and at most a 1s delay </a:t>
-            </a:r>
+              <a:t>The webcam gesture recognition operated at 8 frames per second. The latency achieved for the ultrasonic was 5 samples per second. The latency for the GUI and communications was fast and at most a 1s delay was observed between the sensor and the PC receiving the HID package.</a:t>
+            </a:r>
+          </a:p>
+          <a:p>
             <a:r>
               <a:rPr lang="en-US" dirty="0">
                 <a:ea typeface="Geneva"/>
               </a:rPr>
-              <a:t>was observed between the sensor and the PC receiving the HID package.</a:t>
-            </a:r>
-          </a:p>
-          <a:p>
-            <a:r>
-              <a:rPr lang="en-US" dirty="0">
-                <a:ea typeface="Geneva"/>
-              </a:rPr>
-              <a:t>The reliability of the program had no correlation with the user. The reliability of the sensors was best in an environment with adequate light and a plain background.</a:t>
+              <a:t>The reliability of the program was consistent across users. The reliability of the sensors was best in an environment with adequate light and a plain background.</a:t>
             </a:r>
           </a:p>
           <a:p>
@@ -3222,7 +3208,7 @@
         </p:nvSpPr>
         <p:spPr bwMode="auto">
           <a:xfrm>
-            <a:off x="10345195" y="4399041"/>
+            <a:off x="9774810" y="4265967"/>
             <a:ext cx="4181616" cy="280873"/>
           </a:xfrm>
           <a:prstGeom prst="rect">
@@ -3239,14 +3225,14 @@
           </a:ln>
           <a:extLst>
             <a:ext uri="{909E8E84-426E-40dd-AFC4-6F175D3DCCD1}">
-              <a14:hiddenFill xmlns="" xmlns:a14="http://schemas.microsoft.com/office/drawing/2010/main">
+              <a14:hiddenFill xmlns:a14="http://schemas.microsoft.com/office/drawing/2010/main" xmlns="">
                 <a:solidFill>
                   <a:srgbClr val="FFFFFF"/>
                 </a:solidFill>
               </a14:hiddenFill>
             </a:ext>
             <a:ext uri="{91240B29-F687-4f45-9708-019B960494DF}">
-              <a14:hiddenLine xmlns="" xmlns:a14="http://schemas.microsoft.com/office/drawing/2010/main" w="9525">
+              <a14:hiddenLine xmlns:a14="http://schemas.microsoft.com/office/drawing/2010/main" xmlns="" w="9525">
                 <a:solidFill>
                   <a:srgbClr val="000000"/>
                 </a:solidFill>
@@ -3421,7 +3407,7 @@
               <a:rPr lang="en-US" sz="1000" dirty="0">
                 <a:ea typeface="Geneva"/>
               </a:rPr>
-              <a:t>Minecraft character jumping in response to the hand gesture</a:t>
+              <a:t>Hand gestures controlling Minecraft actions (see wiki for videos)</a:t>
             </a:r>
           </a:p>
           <a:p>
@@ -3432,6 +3418,36 @@
           </a:p>
         </p:txBody>
       </p:sp>
+      <p:pic>
+        <p:nvPicPr>
+          <p:cNvPr id="4" name="Picture 3">
+            <a:extLst>
+              <a:ext uri="{FF2B5EF4-FFF2-40B4-BE49-F238E27FC236}">
+                <a16:creationId xmlns:a16="http://schemas.microsoft.com/office/drawing/2014/main" id="{734F9696-8466-6B2A-D138-B5657FB8961D}"/>
+              </a:ext>
+            </a:extLst>
+          </p:cNvPr>
+          <p:cNvPicPr>
+            <a:picLocks noChangeAspect="1"/>
+          </p:cNvPicPr>
+          <p:nvPr/>
+        </p:nvPicPr>
+        <p:blipFill>
+          <a:blip r:embed="rId4"/>
+          <a:stretch>
+            <a:fillRect/>
+          </a:stretch>
+        </p:blipFill>
+        <p:spPr>
+          <a:xfrm>
+            <a:off x="8934032" y="1147873"/>
+            <a:ext cx="2489200" cy="3084646"/>
+          </a:xfrm>
+          <a:prstGeom prst="rect">
+            <a:avLst/>
+          </a:prstGeom>
+        </p:spPr>
+      </p:pic>
     </p:spTree>
   </p:cSld>
   <p:clrMapOvr>
